--- a/宣道詩/(宣道詩86)信心之仰望.pptx
+++ b/宣道詩/(宣道詩86)信心之仰望.pptx
@@ -5,10 +5,15 @@
     <p:sldMasterId id="2147483660" r:id="rId1"/>
   </p:sldMasterIdLst>
   <p:sldIdLst>
-    <p:sldId id="257" r:id="rId2"/>
-    <p:sldId id="258" r:id="rId3"/>
-    <p:sldId id="259" r:id="rId4"/>
-    <p:sldId id="260" r:id="rId5"/>
+    <p:sldId id="261" r:id="rId2"/>
+    <p:sldId id="262" r:id="rId3"/>
+    <p:sldId id="263" r:id="rId4"/>
+    <p:sldId id="264" r:id="rId5"/>
+    <p:sldId id="265" r:id="rId6"/>
+    <p:sldId id="266" r:id="rId7"/>
+    <p:sldId id="267" r:id="rId8"/>
+    <p:sldId id="268" r:id="rId9"/>
+    <p:sldId id="269" r:id="rId10"/>
   </p:sldIdLst>
   <p:sldSz cx="12192000" cy="6858000"/>
   <p:notesSz cx="6858000" cy="9144000"/>
@@ -107,6 +112,11 @@
       </a:defRPr>
     </a:lvl9pPr>
   </p:defaultTextStyle>
+  <p:extLst>
+    <p:ext uri="{EFAFB233-063F-42B5-8137-9DF3F51BA10A}">
+      <p15:sldGuideLst xmlns:p15="http://schemas.microsoft.com/office/powerpoint/2012/main"/>
+    </p:ext>
+  </p:extLst>
 </p:presentation>
 </file>
 
@@ -291,7 +301,7 @@
           <a:p>
             <a:fld id="{38872380-FDA6-49D7-847E-49AFAEC06733}" type="datetimeFigureOut">
               <a:rPr lang="vi-VN" smtClean="0"/>
-              <a:t>03/04/2020</a:t>
+              <a:t>03/06/2021</a:t>
             </a:fld>
             <a:endParaRPr lang="vi-VN"/>
           </a:p>
@@ -461,7 +471,7 @@
           <a:p>
             <a:fld id="{38872380-FDA6-49D7-847E-49AFAEC06733}" type="datetimeFigureOut">
               <a:rPr lang="vi-VN" smtClean="0"/>
-              <a:t>03/04/2020</a:t>
+              <a:t>03/06/2021</a:t>
             </a:fld>
             <a:endParaRPr lang="vi-VN"/>
           </a:p>
@@ -641,7 +651,7 @@
           <a:p>
             <a:fld id="{38872380-FDA6-49D7-847E-49AFAEC06733}" type="datetimeFigureOut">
               <a:rPr lang="vi-VN" smtClean="0"/>
-              <a:t>03/04/2020</a:t>
+              <a:t>03/06/2021</a:t>
             </a:fld>
             <a:endParaRPr lang="vi-VN"/>
           </a:p>
@@ -811,7 +821,7 @@
           <a:p>
             <a:fld id="{38872380-FDA6-49D7-847E-49AFAEC06733}" type="datetimeFigureOut">
               <a:rPr lang="vi-VN" smtClean="0"/>
-              <a:t>03/04/2020</a:t>
+              <a:t>03/06/2021</a:t>
             </a:fld>
             <a:endParaRPr lang="vi-VN"/>
           </a:p>
@@ -1057,7 +1067,7 @@
           <a:p>
             <a:fld id="{38872380-FDA6-49D7-847E-49AFAEC06733}" type="datetimeFigureOut">
               <a:rPr lang="vi-VN" smtClean="0"/>
-              <a:t>03/04/2020</a:t>
+              <a:t>03/06/2021</a:t>
             </a:fld>
             <a:endParaRPr lang="vi-VN"/>
           </a:p>
@@ -1345,7 +1355,7 @@
           <a:p>
             <a:fld id="{38872380-FDA6-49D7-847E-49AFAEC06733}" type="datetimeFigureOut">
               <a:rPr lang="vi-VN" smtClean="0"/>
-              <a:t>03/04/2020</a:t>
+              <a:t>03/06/2021</a:t>
             </a:fld>
             <a:endParaRPr lang="vi-VN"/>
           </a:p>
@@ -1767,7 +1777,7 @@
           <a:p>
             <a:fld id="{38872380-FDA6-49D7-847E-49AFAEC06733}" type="datetimeFigureOut">
               <a:rPr lang="vi-VN" smtClean="0"/>
-              <a:t>03/04/2020</a:t>
+              <a:t>03/06/2021</a:t>
             </a:fld>
             <a:endParaRPr lang="vi-VN"/>
           </a:p>
@@ -1885,7 +1895,7 @@
           <a:p>
             <a:fld id="{38872380-FDA6-49D7-847E-49AFAEC06733}" type="datetimeFigureOut">
               <a:rPr lang="vi-VN" smtClean="0"/>
-              <a:t>03/04/2020</a:t>
+              <a:t>03/06/2021</a:t>
             </a:fld>
             <a:endParaRPr lang="vi-VN"/>
           </a:p>
@@ -1980,7 +1990,7 @@
           <a:p>
             <a:fld id="{38872380-FDA6-49D7-847E-49AFAEC06733}" type="datetimeFigureOut">
               <a:rPr lang="vi-VN" smtClean="0"/>
-              <a:t>03/04/2020</a:t>
+              <a:t>03/06/2021</a:t>
             </a:fld>
             <a:endParaRPr lang="vi-VN"/>
           </a:p>
@@ -2257,7 +2267,7 @@
           <a:p>
             <a:fld id="{38872380-FDA6-49D7-847E-49AFAEC06733}" type="datetimeFigureOut">
               <a:rPr lang="vi-VN" smtClean="0"/>
-              <a:t>03/04/2020</a:t>
+              <a:t>03/06/2021</a:t>
             </a:fld>
             <a:endParaRPr lang="vi-VN"/>
           </a:p>
@@ -2514,7 +2524,7 @@
           <a:p>
             <a:fld id="{38872380-FDA6-49D7-847E-49AFAEC06733}" type="datetimeFigureOut">
               <a:rPr lang="vi-VN" smtClean="0"/>
-              <a:t>03/04/2020</a:t>
+              <a:t>03/06/2021</a:t>
             </a:fld>
             <a:endParaRPr lang="vi-VN"/>
           </a:p>
@@ -2732,7 +2742,7 @@
           <a:p>
             <a:fld id="{38872380-FDA6-49D7-847E-49AFAEC06733}" type="datetimeFigureOut">
               <a:rPr lang="vi-VN" smtClean="0"/>
-              <a:t>03/04/2020</a:t>
+              <a:t>03/06/2021</a:t>
             </a:fld>
             <a:endParaRPr lang="vi-VN"/>
           </a:p>
@@ -3109,190 +3119,161 @@
       </p:grpSpPr>
       <p:sp>
         <p:nvSpPr>
-          <p:cNvPr id="2" name="Title 1"/>
+          <p:cNvPr id="4" name="標題 3"/>
           <p:cNvSpPr>
             <a:spLocks noGrp="1"/>
           </p:cNvSpPr>
           <p:nvPr>
             <p:ph type="title"/>
           </p:nvPr>
-        </p:nvSpPr>
-        <p:spPr/>
-        <p:txBody>
-          <a:bodyPr>
-            <a:normAutofit/>
-          </a:bodyPr>
-          <a:lstStyle/>
-          <a:p>
-            <a:r>
-              <a:rPr lang="zh-CN" altLang="en-US" sz="4800" b="1" dirty="0" smtClean="0">
-                <a:latin typeface="Microsoft JhengHei" panose="020B0604030504040204" pitchFamily="34" charset="-120"/>
-                <a:ea typeface="Microsoft JhengHei" panose="020B0604030504040204" pitchFamily="34" charset="-120"/>
-              </a:rPr>
-              <a:t>信心之仰望</a:t>
-            </a:r>
-            <a:endParaRPr lang="vi-VN" sz="4800" b="1" dirty="0">
-              <a:ea typeface="Microsoft JhengHei" panose="020B0604030504040204" pitchFamily="34" charset="-120"/>
-            </a:endParaRPr>
-          </a:p>
-        </p:txBody>
-      </p:sp>
-      <p:sp>
-        <p:nvSpPr>
-          <p:cNvPr id="3" name="Content Placeholder 2"/>
-          <p:cNvSpPr>
-            <a:spLocks noGrp="1"/>
-          </p:cNvSpPr>
-          <p:nvPr>
-            <p:ph idx="1"/>
-          </p:nvPr>
-        </p:nvSpPr>
-        <p:spPr/>
-        <p:txBody>
-          <a:bodyPr>
-            <a:normAutofit/>
-          </a:bodyPr>
-          <a:lstStyle/>
-          <a:p>
-            <a:pPr marL="0" indent="0" algn="ctr">
-              <a:buNone/>
-            </a:pPr>
-            <a:r>
-              <a:rPr lang="zh-CN" altLang="en-US" sz="5400" b="1" dirty="0" smtClean="0">
-                <a:latin typeface="Microsoft JhengHei" panose="020B0604030504040204" pitchFamily="34" charset="-120"/>
-                <a:ea typeface="Microsoft JhengHei" panose="020B0604030504040204" pitchFamily="34" charset="-120"/>
-              </a:rPr>
-              <a:t>我已信心仰望</a:t>
-            </a:r>
-            <a:endParaRPr lang="en-US" altLang="zh-CN" sz="5400" b="1" dirty="0" smtClean="0">
-              <a:latin typeface="Microsoft JhengHei" panose="020B0604030504040204" pitchFamily="34" charset="-120"/>
-              <a:ea typeface="Microsoft JhengHei" panose="020B0604030504040204" pitchFamily="34" charset="-120"/>
-            </a:endParaRPr>
-          </a:p>
-          <a:p>
-            <a:pPr marL="0" indent="0" algn="ctr">
-              <a:buNone/>
-            </a:pPr>
-            <a:r>
-              <a:rPr lang="zh-CN" altLang="en-US" sz="5400" b="1" dirty="0">
-                <a:latin typeface="Microsoft JhengHei" panose="020B0604030504040204" pitchFamily="34" charset="-120"/>
-                <a:ea typeface="Microsoft JhengHei" panose="020B0604030504040204" pitchFamily="34" charset="-120"/>
-              </a:rPr>
-              <a:t>救</a:t>
-            </a:r>
-            <a:r>
-              <a:rPr lang="zh-CN" altLang="en-US" sz="5400" b="1" dirty="0" smtClean="0">
-                <a:latin typeface="Microsoft JhengHei" panose="020B0604030504040204" pitchFamily="34" charset="-120"/>
-                <a:ea typeface="Microsoft JhengHei" panose="020B0604030504040204" pitchFamily="34" charset="-120"/>
-              </a:rPr>
-              <a:t>主在苦架上</a:t>
-            </a:r>
-            <a:r>
-              <a:rPr lang="en-US" altLang="zh-CN" sz="5400" b="1" dirty="0">
-                <a:latin typeface="Microsoft JhengHei" panose="020B0604030504040204" pitchFamily="34" charset="-120"/>
-                <a:ea typeface="Microsoft JhengHei" panose="020B0604030504040204" pitchFamily="34" charset="-120"/>
-              </a:rPr>
-              <a:t> </a:t>
-            </a:r>
-            <a:r>
-              <a:rPr lang="en-US" altLang="zh-CN" sz="5400" b="1" dirty="0" smtClean="0">
-                <a:latin typeface="Microsoft JhengHei" panose="020B0604030504040204" pitchFamily="34" charset="-120"/>
-                <a:ea typeface="Microsoft JhengHei" panose="020B0604030504040204" pitchFamily="34" charset="-120"/>
-              </a:rPr>
-              <a:t> </a:t>
-            </a:r>
-            <a:r>
-              <a:rPr lang="zh-CN" altLang="en-US" sz="5400" b="1" dirty="0" smtClean="0">
-                <a:latin typeface="Microsoft JhengHei" panose="020B0604030504040204" pitchFamily="34" charset="-120"/>
-                <a:ea typeface="Microsoft JhengHei" panose="020B0604030504040204" pitchFamily="34" charset="-120"/>
-              </a:rPr>
-              <a:t>救主我神</a:t>
-            </a:r>
-            <a:endParaRPr lang="en-US" altLang="zh-CN" sz="5400" b="1" dirty="0" smtClean="0">
-              <a:latin typeface="Microsoft JhengHei" panose="020B0604030504040204" pitchFamily="34" charset="-120"/>
-              <a:ea typeface="Microsoft JhengHei" panose="020B0604030504040204" pitchFamily="34" charset="-120"/>
-            </a:endParaRPr>
-          </a:p>
-          <a:p>
-            <a:pPr marL="0" indent="0" algn="ctr">
-              <a:buNone/>
-            </a:pPr>
-            <a:r>
-              <a:rPr lang="zh-CN" altLang="en-US" sz="5400" b="1" dirty="0" smtClean="0">
-                <a:latin typeface="Microsoft JhengHei" panose="020B0604030504040204" pitchFamily="34" charset="-120"/>
-                <a:ea typeface="Microsoft JhengHei" panose="020B0604030504040204" pitchFamily="34" charset="-120"/>
-              </a:rPr>
-              <a:t>求主聽我祈禱  將我罪過免了</a:t>
-            </a:r>
-            <a:endParaRPr lang="en-US" altLang="zh-CN" sz="5400" b="1" dirty="0" smtClean="0">
-              <a:latin typeface="Microsoft JhengHei" panose="020B0604030504040204" pitchFamily="34" charset="-120"/>
-              <a:ea typeface="Microsoft JhengHei" panose="020B0604030504040204" pitchFamily="34" charset="-120"/>
-            </a:endParaRPr>
-          </a:p>
-          <a:p>
-            <a:pPr marL="0" indent="0" algn="ctr">
-              <a:buNone/>
-            </a:pPr>
-            <a:r>
-              <a:rPr lang="zh-CN" altLang="en-US" sz="5400" b="1" dirty="0">
-                <a:latin typeface="Microsoft JhengHei" panose="020B0604030504040204" pitchFamily="34" charset="-120"/>
-                <a:ea typeface="Microsoft JhengHei" panose="020B0604030504040204" pitchFamily="34" charset="-120"/>
-              </a:rPr>
-              <a:t>使</a:t>
-            </a:r>
-            <a:r>
-              <a:rPr lang="zh-CN" altLang="en-US" sz="5400" b="1" dirty="0" smtClean="0">
-                <a:latin typeface="Microsoft JhengHei" panose="020B0604030504040204" pitchFamily="34" charset="-120"/>
-                <a:ea typeface="Microsoft JhengHei" panose="020B0604030504040204" pitchFamily="34" charset="-120"/>
-              </a:rPr>
-              <a:t>我從今到老完全屬主</a:t>
-            </a:r>
-            <a:endParaRPr lang="vi-VN" sz="5400" b="1" dirty="0">
-              <a:ea typeface="Microsoft JhengHei" panose="020B0604030504040204" pitchFamily="34" charset="-120"/>
-            </a:endParaRPr>
-          </a:p>
-        </p:txBody>
-      </p:sp>
-      <p:sp>
-        <p:nvSpPr>
-          <p:cNvPr id="4" name="TextBox 3"/>
-          <p:cNvSpPr txBox="1"/>
-          <p:nvPr/>
         </p:nvSpPr>
         <p:spPr>
           <a:xfrm>
-            <a:off x="1253067" y="1600201"/>
-            <a:ext cx="1286933" cy="923330"/>
+            <a:off x="0" y="2660915"/>
+            <a:ext cx="12192000" cy="1143000"/>
           </a:xfrm>
-          <a:prstGeom prst="rect">
-            <a:avLst/>
-          </a:prstGeom>
-          <a:noFill/>
         </p:spPr>
         <p:txBody>
-          <a:bodyPr wrap="square" rtlCol="0">
-            <a:spAutoFit/>
+          <a:bodyPr>
+            <a:noAutofit/>
           </a:bodyPr>
           <a:lstStyle/>
           <a:p>
             <a:r>
-              <a:rPr lang="en-US" sz="5400" b="1" dirty="0" smtClean="0"/>
-              <a:t>1.</a:t>
-            </a:r>
-            <a:endParaRPr lang="vi-VN" sz="5400" b="1" dirty="0"/>
+              <a:rPr lang="zh-CN" altLang="en-US" sz="5333" b="1" u="sng" dirty="0">
+                <a:solidFill>
+                  <a:srgbClr val="000066"/>
+                </a:solidFill>
+                <a:effectLst>
+                  <a:outerShdw blurRad="38100" dist="38100" dir="2700000" algn="tl">
+                    <a:srgbClr val="000000">
+                      <a:alpha val="43137"/>
+                    </a:srgbClr>
+                  </a:outerShdw>
+                </a:effectLst>
+                <a:latin typeface="微軟正黑體" pitchFamily="34" charset="-120"/>
+                <a:ea typeface="微軟正黑體" pitchFamily="34" charset="-120"/>
+              </a:rPr>
+              <a:t>宣道詩 </a:t>
+            </a:r>
+            <a:r>
+              <a:rPr lang="en-US" altLang="zh-CN" sz="5333" b="1" u="sng" dirty="0">
+                <a:solidFill>
+                  <a:srgbClr val="000066"/>
+                </a:solidFill>
+                <a:effectLst>
+                  <a:outerShdw blurRad="38100" dist="38100" dir="2700000" algn="tl">
+                    <a:srgbClr val="000000">
+                      <a:alpha val="43137"/>
+                    </a:srgbClr>
+                  </a:outerShdw>
+                </a:effectLst>
+                <a:latin typeface="微軟正黑體" pitchFamily="34" charset="-120"/>
+                <a:ea typeface="微軟正黑體" pitchFamily="34" charset="-120"/>
+              </a:rPr>
+              <a:t>86</a:t>
+            </a:r>
+            <a:r>
+              <a:rPr lang="en-US" altLang="zh-CN" sz="7200" b="1" i="1" dirty="0">
+                <a:solidFill>
+                  <a:srgbClr val="660033"/>
+                </a:solidFill>
+                <a:effectLst>
+                  <a:outerShdw blurRad="38100" dist="38100" dir="2700000" algn="tl">
+                    <a:srgbClr val="000000">
+                      <a:alpha val="43137"/>
+                    </a:srgbClr>
+                  </a:outerShdw>
+                </a:effectLst>
+                <a:latin typeface="微軟正黑體" pitchFamily="34" charset="-120"/>
+                <a:ea typeface="微軟正黑體" pitchFamily="34" charset="-120"/>
+              </a:rPr>
+              <a:t/>
+            </a:r>
+            <a:br>
+              <a:rPr lang="en-US" altLang="zh-CN" sz="7200" b="1" i="1" dirty="0">
+                <a:solidFill>
+                  <a:srgbClr val="660033"/>
+                </a:solidFill>
+                <a:effectLst>
+                  <a:outerShdw blurRad="38100" dist="38100" dir="2700000" algn="tl">
+                    <a:srgbClr val="000000">
+                      <a:alpha val="43137"/>
+                    </a:srgbClr>
+                  </a:outerShdw>
+                </a:effectLst>
+                <a:latin typeface="微軟正黑體" pitchFamily="34" charset="-120"/>
+                <a:ea typeface="微軟正黑體" pitchFamily="34" charset="-120"/>
+              </a:rPr>
+            </a:br>
+            <a:r>
+              <a:rPr lang="zh-CN" altLang="en-US" sz="8000" b="1" dirty="0">
+                <a:solidFill>
+                  <a:srgbClr val="660033"/>
+                </a:solidFill>
+                <a:effectLst>
+                  <a:outerShdw blurRad="38100" dist="38100" dir="2700000" algn="tl">
+                    <a:srgbClr val="000000">
+                      <a:alpha val="43137"/>
+                    </a:srgbClr>
+                  </a:outerShdw>
+                </a:effectLst>
+                <a:latin typeface="微軟正黑體" pitchFamily="34" charset="-120"/>
+                <a:ea typeface="微軟正黑體" pitchFamily="34" charset="-120"/>
+              </a:rPr>
+              <a:t>信</a:t>
+            </a:r>
+            <a:r>
+              <a:rPr lang="zh-CN" altLang="en-US" sz="8000" b="1" dirty="0">
+                <a:solidFill>
+                  <a:srgbClr val="660033"/>
+                </a:solidFill>
+                <a:effectLst>
+                  <a:outerShdw blurRad="38100" dist="38100" dir="2700000" algn="tl">
+                    <a:srgbClr val="000000">
+                      <a:alpha val="43137"/>
+                    </a:srgbClr>
+                  </a:outerShdw>
+                </a:effectLst>
+                <a:latin typeface="微軟正黑體" pitchFamily="34" charset="-120"/>
+                <a:ea typeface="微軟正黑體" pitchFamily="34" charset="-120"/>
+              </a:rPr>
+              <a:t>心之仰望</a:t>
+            </a:r>
+            <a:endParaRPr lang="zh-TW" altLang="en-US" sz="8000" b="1" dirty="0">
+              <a:solidFill>
+                <a:srgbClr val="660033"/>
+              </a:solidFill>
+              <a:effectLst>
+                <a:outerShdw blurRad="38100" dist="38100" dir="2700000" algn="tl">
+                  <a:srgbClr val="000000">
+                    <a:alpha val="43137"/>
+                  </a:srgbClr>
+                </a:outerShdw>
+              </a:effectLst>
+              <a:latin typeface="微軟正黑體" pitchFamily="34" charset="-120"/>
+              <a:ea typeface="微軟正黑體" pitchFamily="34" charset="-120"/>
+            </a:endParaRPr>
           </a:p>
         </p:txBody>
       </p:sp>
     </p:spTree>
     <p:extLst>
       <p:ext uri="{BB962C8B-B14F-4D97-AF65-F5344CB8AC3E}">
-        <p14:creationId xmlns:p14="http://schemas.microsoft.com/office/powerpoint/2010/main" val="2292905789"/>
+        <p14:creationId xmlns:p14="http://schemas.microsoft.com/office/powerpoint/2010/main" val="1008772140"/>
       </p:ext>
     </p:extLst>
   </p:cSld>
   <p:clrMapOvr>
     <a:masterClrMapping/>
   </p:clrMapOvr>
+  <p:timing>
+    <p:tnLst>
+      <p:par>
+        <p:cTn id="1" dur="indefinite" restart="never" nodeType="tmRoot"/>
+      </p:par>
+    </p:tnLst>
+  </p:timing>
 </p:sld>
 </file>
 
@@ -3315,139 +3296,101 @@
       </p:grpSpPr>
       <p:sp>
         <p:nvSpPr>
-          <p:cNvPr id="2" name="Title 1"/>
-          <p:cNvSpPr>
-            <a:spLocks noGrp="1"/>
-          </p:cNvSpPr>
-          <p:nvPr>
-            <p:ph type="title"/>
-          </p:nvPr>
-        </p:nvSpPr>
-        <p:spPr/>
-        <p:txBody>
-          <a:bodyPr>
+          <p:cNvPr id="5" name="內容版面配置區 4"/>
+          <p:cNvSpPr>
+            <a:spLocks noGrp="1"/>
+          </p:cNvSpPr>
+          <p:nvPr>
+            <p:ph idx="1"/>
+          </p:nvPr>
+        </p:nvSpPr>
+        <p:spPr>
+          <a:xfrm>
+            <a:off x="0" y="2084851"/>
+            <a:ext cx="12192000" cy="2404863"/>
+          </a:xfrm>
+        </p:spPr>
+        <p:txBody>
+          <a:bodyPr anchor="ctr">
             <a:normAutofit/>
           </a:bodyPr>
           <a:lstStyle/>
           <a:p>
-            <a:r>
-              <a:rPr lang="zh-CN" altLang="en-US" sz="4800" b="1" dirty="0" smtClean="0">
+            <a:pPr marL="0" indent="0" algn="ctr">
+              <a:buNone/>
+            </a:pPr>
+            <a:r>
+              <a:rPr lang="zh-CN" altLang="en-US" sz="6400" b="1" dirty="0">
+                <a:solidFill>
+                  <a:srgbClr val="660033"/>
+                </a:solidFill>
                 <a:latin typeface="Microsoft JhengHei" panose="020B0604030504040204" pitchFamily="34" charset="-120"/>
                 <a:ea typeface="Microsoft JhengHei" panose="020B0604030504040204" pitchFamily="34" charset="-120"/>
               </a:rPr>
-              <a:t>信心之仰望</a:t>
-            </a:r>
-            <a:endParaRPr lang="vi-VN" sz="4800" b="1" dirty="0">
+              <a:t>我已信心仰望</a:t>
+            </a:r>
+            <a:endParaRPr lang="en-US" altLang="zh-CN" sz="6400" b="1" dirty="0">
+              <a:solidFill>
+                <a:srgbClr val="660033"/>
+              </a:solidFill>
+              <a:latin typeface="Microsoft JhengHei" panose="020B0604030504040204" pitchFamily="34" charset="-120"/>
               <a:ea typeface="Microsoft JhengHei" panose="020B0604030504040204" pitchFamily="34" charset="-120"/>
             </a:endParaRPr>
           </a:p>
-        </p:txBody>
-      </p:sp>
-      <p:sp>
-        <p:nvSpPr>
-          <p:cNvPr id="3" name="Content Placeholder 2"/>
-          <p:cNvSpPr>
-            <a:spLocks noGrp="1"/>
-          </p:cNvSpPr>
-          <p:nvPr>
-            <p:ph idx="1"/>
-          </p:nvPr>
-        </p:nvSpPr>
-        <p:spPr/>
-        <p:txBody>
-          <a:bodyPr>
-            <a:normAutofit/>
-          </a:bodyPr>
-          <a:lstStyle/>
           <a:p>
             <a:pPr marL="0" indent="0" algn="ctr">
               <a:buNone/>
             </a:pPr>
             <a:r>
-              <a:rPr lang="zh-CN" altLang="en-US" sz="5400" b="1" dirty="0" smtClean="0">
+              <a:rPr lang="zh-CN" altLang="en-US" sz="6400" b="1" dirty="0">
+                <a:solidFill>
+                  <a:srgbClr val="660033"/>
+                </a:solidFill>
                 <a:latin typeface="Microsoft JhengHei" panose="020B0604030504040204" pitchFamily="34" charset="-120"/>
                 <a:ea typeface="Microsoft JhengHei" panose="020B0604030504040204" pitchFamily="34" charset="-120"/>
               </a:rPr>
-              <a:t>求賜能力恩惠</a:t>
-            </a:r>
-            <a:endParaRPr lang="en-US" altLang="zh-CN" sz="5400" b="1" dirty="0" smtClean="0">
+              <a:t>救主在苦架上</a:t>
+            </a:r>
+            <a:r>
+              <a:rPr lang="en-US" altLang="zh-CN" sz="6400" b="1" dirty="0">
+                <a:solidFill>
+                  <a:srgbClr val="660033"/>
+                </a:solidFill>
+                <a:latin typeface="Microsoft JhengHei" panose="020B0604030504040204" pitchFamily="34" charset="-120"/>
+                <a:ea typeface="Microsoft JhengHei" panose="020B0604030504040204" pitchFamily="34" charset="-120"/>
+              </a:rPr>
+              <a:t>  </a:t>
+            </a:r>
+            <a:r>
+              <a:rPr lang="zh-CN" altLang="en-US" sz="6400" b="1" dirty="0">
+                <a:solidFill>
+                  <a:srgbClr val="660033"/>
+                </a:solidFill>
+                <a:latin typeface="Microsoft JhengHei" panose="020B0604030504040204" pitchFamily="34" charset="-120"/>
+                <a:ea typeface="Microsoft JhengHei" panose="020B0604030504040204" pitchFamily="34" charset="-120"/>
+              </a:rPr>
+              <a:t>救主我神</a:t>
+            </a:r>
+            <a:endParaRPr lang="en-US" altLang="zh-CN" sz="6400" b="1" dirty="0">
+              <a:solidFill>
+                <a:srgbClr val="660033"/>
+              </a:solidFill>
               <a:latin typeface="Microsoft JhengHei" panose="020B0604030504040204" pitchFamily="34" charset="-120"/>
               <a:ea typeface="Microsoft JhengHei" panose="020B0604030504040204" pitchFamily="34" charset="-120"/>
             </a:endParaRPr>
           </a:p>
-          <a:p>
-            <a:pPr marL="0" indent="0" algn="ctr">
-              <a:buNone/>
-            </a:pPr>
-            <a:r>
-              <a:rPr lang="zh-CN" altLang="en-US" sz="5400" b="1" dirty="0">
-                <a:latin typeface="Microsoft JhengHei" panose="020B0604030504040204" pitchFamily="34" charset="-120"/>
-                <a:ea typeface="Microsoft JhengHei" panose="020B0604030504040204" pitchFamily="34" charset="-120"/>
-              </a:rPr>
-              <a:t>在我軟</a:t>
-            </a:r>
-            <a:r>
-              <a:rPr lang="zh-CN" altLang="en-US" sz="5400" b="1" dirty="0" smtClean="0">
-                <a:latin typeface="Microsoft JhengHei" panose="020B0604030504040204" pitchFamily="34" charset="-120"/>
-                <a:ea typeface="Microsoft JhengHei" panose="020B0604030504040204" pitchFamily="34" charset="-120"/>
-              </a:rPr>
-              <a:t>弱心內  激發熱情</a:t>
-            </a:r>
-            <a:endParaRPr lang="en-US" altLang="zh-CN" sz="5400" b="1" dirty="0" smtClean="0">
-              <a:latin typeface="Microsoft JhengHei" panose="020B0604030504040204" pitchFamily="34" charset="-120"/>
-              <a:ea typeface="Microsoft JhengHei" panose="020B0604030504040204" pitchFamily="34" charset="-120"/>
-            </a:endParaRPr>
-          </a:p>
-          <a:p>
-            <a:pPr marL="0" indent="0" algn="ctr">
-              <a:buNone/>
-            </a:pPr>
-            <a:r>
-              <a:rPr lang="zh-CN" altLang="en-US" sz="5400" b="1" dirty="0" smtClean="0">
-                <a:latin typeface="Microsoft JhengHei" panose="020B0604030504040204" pitchFamily="34" charset="-120"/>
-                <a:ea typeface="Microsoft JhengHei" panose="020B0604030504040204" pitchFamily="34" charset="-120"/>
-              </a:rPr>
-              <a:t>主既為我流血  我願愛主更切</a:t>
-            </a:r>
-            <a:endParaRPr lang="en-US" altLang="zh-CN" sz="5400" b="1" dirty="0" smtClean="0">
-              <a:latin typeface="Microsoft JhengHei" panose="020B0604030504040204" pitchFamily="34" charset="-120"/>
-              <a:ea typeface="Microsoft JhengHei" panose="020B0604030504040204" pitchFamily="34" charset="-120"/>
-            </a:endParaRPr>
-          </a:p>
-          <a:p>
-            <a:pPr marL="0" indent="0" algn="ctr">
-              <a:buNone/>
-            </a:pPr>
-            <a:r>
-              <a:rPr lang="zh-CN" altLang="en-US" sz="5400" b="1" dirty="0">
-                <a:latin typeface="Microsoft JhengHei" panose="020B0604030504040204" pitchFamily="34" charset="-120"/>
-                <a:ea typeface="Microsoft JhengHei" panose="020B0604030504040204" pitchFamily="34" charset="-120"/>
-              </a:rPr>
-              <a:t>愛</a:t>
-            </a:r>
-            <a:r>
-              <a:rPr lang="zh-CN" altLang="en-US" sz="5400" b="1" dirty="0" smtClean="0">
-                <a:latin typeface="Microsoft JhengHei" panose="020B0604030504040204" pitchFamily="34" charset="-120"/>
-                <a:ea typeface="Microsoft JhengHei" panose="020B0604030504040204" pitchFamily="34" charset="-120"/>
-              </a:rPr>
-              <a:t>心愈久愈熱如火焰烈</a:t>
-            </a:r>
-            <a:endParaRPr lang="vi-VN" sz="5400" b="1" dirty="0">
-              <a:ea typeface="Microsoft JhengHei" panose="020B0604030504040204" pitchFamily="34" charset="-120"/>
-            </a:endParaRPr>
-          </a:p>
-        </p:txBody>
-      </p:sp>
-      <p:sp>
-        <p:nvSpPr>
-          <p:cNvPr id="4" name="TextBox 3"/>
+        </p:txBody>
+      </p:sp>
+      <p:sp>
+        <p:nvSpPr>
+          <p:cNvPr id="3" name="TextBox 2"/>
           <p:cNvSpPr txBox="1"/>
           <p:nvPr/>
         </p:nvSpPr>
         <p:spPr>
           <a:xfrm>
-            <a:off x="1253067" y="1600201"/>
-            <a:ext cx="1286933" cy="923330"/>
+            <a:off x="0" y="5061182"/>
+            <a:ext cx="12192000" cy="830997"/>
           </a:xfrm>
           <a:prstGeom prst="rect">
             <a:avLst/>
@@ -3460,28 +3403,40 @@
           </a:bodyPr>
           <a:lstStyle/>
           <a:p>
-            <a:r>
-              <a:rPr lang="en-US" sz="5400" b="1" dirty="0"/>
-              <a:t>2</a:t>
-            </a:r>
-            <a:r>
-              <a:rPr lang="en-US" sz="5400" b="1" dirty="0" smtClean="0"/>
-              <a:t>.</a:t>
-            </a:r>
-            <a:endParaRPr lang="vi-VN" sz="5400" b="1" dirty="0"/>
+            <a:pPr algn="ctr"/>
+            <a:r>
+              <a:rPr lang="en-US" sz="4800" b="1" dirty="0">
+                <a:solidFill>
+                  <a:srgbClr val="660033"/>
+                </a:solidFill>
+              </a:rPr>
+              <a:t>( 1 )</a:t>
+            </a:r>
+            <a:endParaRPr lang="vi-VN" sz="4800" b="1" dirty="0">
+              <a:solidFill>
+                <a:srgbClr val="660033"/>
+              </a:solidFill>
+            </a:endParaRPr>
           </a:p>
         </p:txBody>
       </p:sp>
     </p:spTree>
     <p:extLst>
       <p:ext uri="{BB962C8B-B14F-4D97-AF65-F5344CB8AC3E}">
-        <p14:creationId xmlns:p14="http://schemas.microsoft.com/office/powerpoint/2010/main" val="2287245159"/>
+        <p14:creationId xmlns:p14="http://schemas.microsoft.com/office/powerpoint/2010/main" val="2776292213"/>
       </p:ext>
     </p:extLst>
   </p:cSld>
   <p:clrMapOvr>
     <a:masterClrMapping/>
   </p:clrMapOvr>
+  <p:timing>
+    <p:tnLst>
+      <p:par>
+        <p:cTn id="1" dur="indefinite" restart="never" nodeType="tmRoot"/>
+      </p:par>
+    </p:tnLst>
+  </p:timing>
 </p:sld>
 </file>
 
@@ -3504,130 +3459,80 @@
       </p:grpSpPr>
       <p:sp>
         <p:nvSpPr>
-          <p:cNvPr id="2" name="Title 1"/>
-          <p:cNvSpPr>
-            <a:spLocks noGrp="1"/>
-          </p:cNvSpPr>
-          <p:nvPr>
-            <p:ph type="title"/>
-          </p:nvPr>
-        </p:nvSpPr>
-        <p:spPr/>
-        <p:txBody>
-          <a:bodyPr>
+          <p:cNvPr id="5" name="內容版面配置區 4"/>
+          <p:cNvSpPr>
+            <a:spLocks noGrp="1"/>
+          </p:cNvSpPr>
+          <p:nvPr>
+            <p:ph idx="1"/>
+          </p:nvPr>
+        </p:nvSpPr>
+        <p:spPr>
+          <a:xfrm>
+            <a:off x="0" y="2084851"/>
+            <a:ext cx="12192000" cy="2404863"/>
+          </a:xfrm>
+        </p:spPr>
+        <p:txBody>
+          <a:bodyPr anchor="ctr">
             <a:normAutofit/>
           </a:bodyPr>
           <a:lstStyle/>
           <a:p>
-            <a:r>
-              <a:rPr lang="zh-CN" altLang="en-US" sz="4800" b="1" dirty="0" smtClean="0">
+            <a:pPr marL="0" indent="0" algn="ctr">
+              <a:buNone/>
+            </a:pPr>
+            <a:r>
+              <a:rPr lang="zh-CN" altLang="en-US" sz="6400" b="1" dirty="0">
+                <a:solidFill>
+                  <a:srgbClr val="660033"/>
+                </a:solidFill>
                 <a:latin typeface="Microsoft JhengHei" panose="020B0604030504040204" pitchFamily="34" charset="-120"/>
                 <a:ea typeface="Microsoft JhengHei" panose="020B0604030504040204" pitchFamily="34" charset="-120"/>
               </a:rPr>
-              <a:t>信心之仰望</a:t>
-            </a:r>
-            <a:endParaRPr lang="vi-VN" sz="4800" b="1" dirty="0">
+              <a:t>求主聽我祈禱  將我罪過免了</a:t>
+            </a:r>
+            <a:endParaRPr lang="en-US" altLang="zh-CN" sz="6400" b="1" dirty="0">
+              <a:solidFill>
+                <a:srgbClr val="660033"/>
+              </a:solidFill>
+              <a:latin typeface="Microsoft JhengHei" panose="020B0604030504040204" pitchFamily="34" charset="-120"/>
               <a:ea typeface="Microsoft JhengHei" panose="020B0604030504040204" pitchFamily="34" charset="-120"/>
             </a:endParaRPr>
           </a:p>
-        </p:txBody>
-      </p:sp>
-      <p:sp>
-        <p:nvSpPr>
-          <p:cNvPr id="3" name="Content Placeholder 2"/>
-          <p:cNvSpPr>
-            <a:spLocks noGrp="1"/>
-          </p:cNvSpPr>
-          <p:nvPr>
-            <p:ph idx="1"/>
-          </p:nvPr>
-        </p:nvSpPr>
-        <p:spPr/>
-        <p:txBody>
-          <a:bodyPr>
-            <a:normAutofit/>
-          </a:bodyPr>
-          <a:lstStyle/>
           <a:p>
             <a:pPr marL="0" indent="0" algn="ctr">
               <a:buNone/>
             </a:pPr>
             <a:r>
-              <a:rPr lang="zh-CN" altLang="en-US" sz="5400" b="1" dirty="0" smtClean="0">
+              <a:rPr lang="zh-CN" altLang="en-US" sz="6400" b="1" dirty="0">
+                <a:solidFill>
+                  <a:srgbClr val="660033"/>
+                </a:solidFill>
+                <a:latin typeface="Microsoft JhengHei" panose="020B0604030504040204" pitchFamily="34" charset="-120"/>
                 <a:ea typeface="Microsoft JhengHei" panose="020B0604030504040204" pitchFamily="34" charset="-120"/>
               </a:rPr>
-              <a:t>我行今世迷路</a:t>
-            </a:r>
-            <a:endParaRPr lang="en-US" altLang="zh-CN" sz="5400" b="1" dirty="0" smtClean="0">
+              <a:t>使我從今到老完全屬主</a:t>
+            </a:r>
+            <a:endParaRPr lang="vi-VN" sz="6400" b="1" dirty="0">
+              <a:solidFill>
+                <a:srgbClr val="660033"/>
+              </a:solidFill>
               <a:ea typeface="Microsoft JhengHei" panose="020B0604030504040204" pitchFamily="34" charset="-120"/>
             </a:endParaRPr>
           </a:p>
-          <a:p>
-            <a:pPr marL="0" indent="0" algn="ctr">
-              <a:buNone/>
-            </a:pPr>
-            <a:r>
-              <a:rPr lang="zh-CN" altLang="en-US" sz="5400" b="1" dirty="0">
-                <a:ea typeface="Microsoft JhengHei" panose="020B0604030504040204" pitchFamily="34" charset="-120"/>
-              </a:rPr>
-              <a:t>危</a:t>
-            </a:r>
-            <a:r>
-              <a:rPr lang="zh-CN" altLang="en-US" sz="5400" b="1" dirty="0" smtClean="0">
-                <a:ea typeface="Microsoft JhengHei" panose="020B0604030504040204" pitchFamily="34" charset="-120"/>
-              </a:rPr>
-              <a:t>險四圍密佈  求主領我</a:t>
-            </a:r>
-            <a:endParaRPr lang="en-US" altLang="zh-CN" sz="5400" b="1" dirty="0" smtClean="0">
-              <a:ea typeface="Microsoft JhengHei" panose="020B0604030504040204" pitchFamily="34" charset="-120"/>
-            </a:endParaRPr>
-          </a:p>
-          <a:p>
-            <a:pPr marL="0" indent="0" algn="ctr">
-              <a:buNone/>
-            </a:pPr>
-            <a:r>
-              <a:rPr lang="zh-CN" altLang="en-US" sz="5400" b="1" dirty="0" smtClean="0">
-                <a:ea typeface="Microsoft JhengHei" panose="020B0604030504040204" pitchFamily="34" charset="-120"/>
-              </a:rPr>
-              <a:t>使黑夜變白晝  將我眼淚擦去</a:t>
-            </a:r>
-            <a:endParaRPr lang="en-US" altLang="zh-CN" sz="5400" b="1" dirty="0" smtClean="0">
-              <a:ea typeface="Microsoft JhengHei" panose="020B0604030504040204" pitchFamily="34" charset="-120"/>
-            </a:endParaRPr>
-          </a:p>
-          <a:p>
-            <a:pPr marL="0" indent="0" algn="ctr">
-              <a:buNone/>
-            </a:pPr>
-            <a:r>
-              <a:rPr lang="zh-CN" altLang="en-US" sz="5400" b="1" dirty="0">
-                <a:ea typeface="Microsoft JhengHei" panose="020B0604030504040204" pitchFamily="34" charset="-120"/>
-              </a:rPr>
-              <a:t>使</a:t>
-            </a:r>
-            <a:r>
-              <a:rPr lang="zh-CN" altLang="en-US" sz="5400" b="1" dirty="0" smtClean="0">
-                <a:ea typeface="Microsoft JhengHei" panose="020B0604030504040204" pitchFamily="34" charset="-120"/>
-              </a:rPr>
-              <a:t>我永不迷失離主左右</a:t>
-            </a:r>
-            <a:endParaRPr lang="vi-VN" sz="5400" b="1" dirty="0">
-              <a:ea typeface="Microsoft JhengHei" panose="020B0604030504040204" pitchFamily="34" charset="-120"/>
-            </a:endParaRPr>
-          </a:p>
-        </p:txBody>
-      </p:sp>
-      <p:sp>
-        <p:nvSpPr>
-          <p:cNvPr id="4" name="TextBox 3"/>
+        </p:txBody>
+      </p:sp>
+      <p:sp>
+        <p:nvSpPr>
+          <p:cNvPr id="3" name="TextBox 2"/>
           <p:cNvSpPr txBox="1"/>
           <p:nvPr/>
         </p:nvSpPr>
         <p:spPr>
           <a:xfrm>
-            <a:off x="1253067" y="1600201"/>
-            <a:ext cx="1286933" cy="923330"/>
+            <a:off x="0" y="5061182"/>
+            <a:ext cx="12192000" cy="830997"/>
           </a:xfrm>
           <a:prstGeom prst="rect">
             <a:avLst/>
@@ -3640,24 +3545,40 @@
           </a:bodyPr>
           <a:lstStyle/>
           <a:p>
-            <a:r>
-              <a:rPr lang="en-US" sz="5400" b="1" dirty="0" smtClean="0"/>
-              <a:t>3.</a:t>
-            </a:r>
-            <a:endParaRPr lang="vi-VN" sz="5400" b="1" dirty="0"/>
+            <a:pPr algn="ctr"/>
+            <a:r>
+              <a:rPr lang="en-US" sz="4800" b="1" dirty="0">
+                <a:solidFill>
+                  <a:srgbClr val="660033"/>
+                </a:solidFill>
+              </a:rPr>
+              <a:t>( 1 )</a:t>
+            </a:r>
+            <a:endParaRPr lang="vi-VN" sz="4800" b="1" dirty="0">
+              <a:solidFill>
+                <a:srgbClr val="660033"/>
+              </a:solidFill>
+            </a:endParaRPr>
           </a:p>
         </p:txBody>
       </p:sp>
     </p:spTree>
     <p:extLst>
       <p:ext uri="{BB962C8B-B14F-4D97-AF65-F5344CB8AC3E}">
-        <p14:creationId xmlns:p14="http://schemas.microsoft.com/office/powerpoint/2010/main" val="1873420423"/>
+        <p14:creationId xmlns:p14="http://schemas.microsoft.com/office/powerpoint/2010/main" val="3542733107"/>
       </p:ext>
     </p:extLst>
   </p:cSld>
   <p:clrMapOvr>
     <a:masterClrMapping/>
   </p:clrMapOvr>
+  <p:timing>
+    <p:tnLst>
+      <p:par>
+        <p:cTn id="1" dur="indefinite" restart="never" nodeType="tmRoot"/>
+      </p:par>
+    </p:tnLst>
+  </p:timing>
 </p:sld>
 </file>
 
@@ -3680,124 +3601,81 @@
       </p:grpSpPr>
       <p:sp>
         <p:nvSpPr>
-          <p:cNvPr id="2" name="Title 1"/>
-          <p:cNvSpPr>
-            <a:spLocks noGrp="1"/>
-          </p:cNvSpPr>
-          <p:nvPr>
-            <p:ph type="title"/>
-          </p:nvPr>
-        </p:nvSpPr>
-        <p:spPr/>
-        <p:txBody>
-          <a:bodyPr>
+          <p:cNvPr id="5" name="內容版面配置區 4"/>
+          <p:cNvSpPr>
+            <a:spLocks noGrp="1"/>
+          </p:cNvSpPr>
+          <p:nvPr>
+            <p:ph idx="1"/>
+          </p:nvPr>
+        </p:nvSpPr>
+        <p:spPr>
+          <a:xfrm>
+            <a:off x="0" y="2084851"/>
+            <a:ext cx="12192000" cy="2404863"/>
+          </a:xfrm>
+        </p:spPr>
+        <p:txBody>
+          <a:bodyPr anchor="ctr">
             <a:normAutofit/>
           </a:bodyPr>
           <a:lstStyle/>
           <a:p>
-            <a:r>
-              <a:rPr lang="zh-CN" altLang="en-US" sz="4800" b="1" dirty="0" smtClean="0">
+            <a:pPr marL="0" indent="0" algn="ctr">
+              <a:buNone/>
+            </a:pPr>
+            <a:r>
+              <a:rPr lang="zh-CN" altLang="en-US" sz="6400" b="1" dirty="0">
+                <a:solidFill>
+                  <a:srgbClr val="660033"/>
+                </a:solidFill>
                 <a:latin typeface="Microsoft JhengHei" panose="020B0604030504040204" pitchFamily="34" charset="-120"/>
                 <a:ea typeface="Microsoft JhengHei" panose="020B0604030504040204" pitchFamily="34" charset="-120"/>
               </a:rPr>
-              <a:t>信心之仰望</a:t>
-            </a:r>
-            <a:endParaRPr lang="vi-VN" sz="4800" b="1" dirty="0">
+              <a:t>求賜能力恩惠</a:t>
+            </a:r>
+            <a:endParaRPr lang="en-US" altLang="zh-CN" sz="6400" b="1" dirty="0">
+              <a:solidFill>
+                <a:srgbClr val="660033"/>
+              </a:solidFill>
+              <a:latin typeface="Microsoft JhengHei" panose="020B0604030504040204" pitchFamily="34" charset="-120"/>
               <a:ea typeface="Microsoft JhengHei" panose="020B0604030504040204" pitchFamily="34" charset="-120"/>
             </a:endParaRPr>
           </a:p>
-        </p:txBody>
-      </p:sp>
-      <p:sp>
-        <p:nvSpPr>
-          <p:cNvPr id="3" name="Content Placeholder 2"/>
-          <p:cNvSpPr>
-            <a:spLocks noGrp="1"/>
-          </p:cNvSpPr>
-          <p:nvPr>
-            <p:ph idx="1"/>
-          </p:nvPr>
-        </p:nvSpPr>
-        <p:spPr/>
-        <p:txBody>
-          <a:bodyPr>
-            <a:normAutofit/>
-          </a:bodyPr>
-          <a:lstStyle/>
           <a:p>
             <a:pPr marL="0" indent="0" algn="ctr">
               <a:buNone/>
             </a:pPr>
             <a:r>
-              <a:rPr lang="zh-CN" altLang="en-US" sz="5400" b="1" dirty="0" smtClean="0">
+              <a:rPr lang="zh-CN" altLang="en-US" sz="6400" b="1" dirty="0">
+                <a:solidFill>
+                  <a:srgbClr val="660033"/>
+                </a:solidFill>
+                <a:latin typeface="Microsoft JhengHei" panose="020B0604030504040204" pitchFamily="34" charset="-120"/>
                 <a:ea typeface="Microsoft JhengHei" panose="020B0604030504040204" pitchFamily="34" charset="-120"/>
               </a:rPr>
-              <a:t>今世短夢已過</a:t>
-            </a:r>
-            <a:endParaRPr lang="en-US" altLang="zh-CN" sz="5400" b="1" dirty="0" smtClean="0">
+              <a:t>在我軟弱心內  激發熱情</a:t>
+            </a:r>
+            <a:endParaRPr lang="en-US" altLang="zh-CN" sz="6400" b="1" dirty="0">
+              <a:solidFill>
+                <a:srgbClr val="660033"/>
+              </a:solidFill>
+              <a:latin typeface="Microsoft JhengHei" panose="020B0604030504040204" pitchFamily="34" charset="-120"/>
               <a:ea typeface="Microsoft JhengHei" panose="020B0604030504040204" pitchFamily="34" charset="-120"/>
             </a:endParaRPr>
           </a:p>
-          <a:p>
-            <a:pPr marL="0" indent="0" algn="ctr">
-              <a:buNone/>
-            </a:pPr>
-            <a:r>
-              <a:rPr lang="zh-CN" altLang="en-US" sz="5400" b="1" dirty="0" smtClean="0">
-                <a:ea typeface="Microsoft JhengHei" panose="020B0604030504040204" pitchFamily="34" charset="-120"/>
-              </a:rPr>
-              <a:t>必遇死河寒波  將我淹沒</a:t>
-            </a:r>
-            <a:endParaRPr lang="en-US" altLang="zh-CN" sz="5400" b="1" dirty="0" smtClean="0">
-              <a:ea typeface="Microsoft JhengHei" panose="020B0604030504040204" pitchFamily="34" charset="-120"/>
-            </a:endParaRPr>
-          </a:p>
-          <a:p>
-            <a:pPr marL="0" indent="0" algn="ctr">
-              <a:buNone/>
-            </a:pPr>
-            <a:r>
-              <a:rPr lang="zh-CN" altLang="en-US" sz="5400" b="1" dirty="0" smtClean="0">
-                <a:ea typeface="Microsoft JhengHei" panose="020B0604030504040204" pitchFamily="34" charset="-120"/>
-              </a:rPr>
-              <a:t>那時求主恩惠  除我憂疑驚畏</a:t>
-            </a:r>
-            <a:endParaRPr lang="en-US" altLang="zh-CN" sz="5400" b="1" dirty="0" smtClean="0">
-              <a:ea typeface="Microsoft JhengHei" panose="020B0604030504040204" pitchFamily="34" charset="-120"/>
-            </a:endParaRPr>
-          </a:p>
-          <a:p>
-            <a:pPr marL="0" indent="0" algn="ctr">
-              <a:buNone/>
-            </a:pPr>
-            <a:r>
-              <a:rPr lang="zh-CN" altLang="en-US" sz="5400" b="1" dirty="0">
-                <a:ea typeface="Microsoft JhengHei" panose="020B0604030504040204" pitchFamily="34" charset="-120"/>
-              </a:rPr>
-              <a:t>帶</a:t>
-            </a:r>
-            <a:r>
-              <a:rPr lang="zh-CN" altLang="en-US" sz="5400" b="1" dirty="0" smtClean="0">
-                <a:ea typeface="Microsoft JhengHei" panose="020B0604030504040204" pitchFamily="34" charset="-120"/>
-              </a:rPr>
-              <a:t>我到明宮內靈魂永活</a:t>
-            </a:r>
-            <a:endParaRPr lang="vi-VN" sz="5400" b="1" dirty="0">
-              <a:ea typeface="Microsoft JhengHei" panose="020B0604030504040204" pitchFamily="34" charset="-120"/>
-            </a:endParaRPr>
-          </a:p>
-        </p:txBody>
-      </p:sp>
-      <p:sp>
-        <p:nvSpPr>
-          <p:cNvPr id="4" name="TextBox 3"/>
+        </p:txBody>
+      </p:sp>
+      <p:sp>
+        <p:nvSpPr>
+          <p:cNvPr id="3" name="TextBox 2"/>
           <p:cNvSpPr txBox="1"/>
           <p:nvPr/>
         </p:nvSpPr>
         <p:spPr>
           <a:xfrm>
-            <a:off x="1253067" y="1600201"/>
-            <a:ext cx="1286933" cy="923330"/>
+            <a:off x="0" y="5061182"/>
+            <a:ext cx="12192000" cy="830997"/>
           </a:xfrm>
           <a:prstGeom prst="rect">
             <a:avLst/>
@@ -3810,28 +3688,738 @@
           </a:bodyPr>
           <a:lstStyle/>
           <a:p>
-            <a:r>
-              <a:rPr lang="en-US" sz="5400" b="1" dirty="0"/>
-              <a:t>4</a:t>
-            </a:r>
-            <a:r>
-              <a:rPr lang="en-US" sz="5400" b="1" dirty="0" smtClean="0"/>
-              <a:t>.</a:t>
-            </a:r>
-            <a:endParaRPr lang="vi-VN" sz="5400" b="1" dirty="0"/>
+            <a:pPr algn="ctr"/>
+            <a:r>
+              <a:rPr lang="en-US" sz="4800" b="1" dirty="0">
+                <a:solidFill>
+                  <a:srgbClr val="660033"/>
+                </a:solidFill>
+              </a:rPr>
+              <a:t>( 2 )</a:t>
+            </a:r>
+            <a:endParaRPr lang="vi-VN" sz="4800" b="1" dirty="0">
+              <a:solidFill>
+                <a:srgbClr val="660033"/>
+              </a:solidFill>
+            </a:endParaRPr>
           </a:p>
         </p:txBody>
       </p:sp>
     </p:spTree>
     <p:extLst>
       <p:ext uri="{BB962C8B-B14F-4D97-AF65-F5344CB8AC3E}">
-        <p14:creationId xmlns:p14="http://schemas.microsoft.com/office/powerpoint/2010/main" val="3704953453"/>
+        <p14:creationId xmlns:p14="http://schemas.microsoft.com/office/powerpoint/2010/main" val="2730618826"/>
       </p:ext>
     </p:extLst>
   </p:cSld>
   <p:clrMapOvr>
     <a:masterClrMapping/>
   </p:clrMapOvr>
+  <p:timing>
+    <p:tnLst>
+      <p:par>
+        <p:cTn id="1" dur="indefinite" restart="never" nodeType="tmRoot"/>
+      </p:par>
+    </p:tnLst>
+  </p:timing>
+</p:sld>
+</file>
+
+<file path=ppt/slides/slide5.xml><?xml version="1.0" encoding="utf-8"?>
+<p:sld xmlns:a="http://schemas.openxmlformats.org/drawingml/2006/main" xmlns:r="http://schemas.openxmlformats.org/officeDocument/2006/relationships" xmlns:p="http://schemas.openxmlformats.org/presentationml/2006/main">
+  <p:cSld>
+    <p:spTree>
+      <p:nvGrpSpPr>
+        <p:cNvPr id="1" name=""/>
+        <p:cNvGrpSpPr/>
+        <p:nvPr/>
+      </p:nvGrpSpPr>
+      <p:grpSpPr>
+        <a:xfrm>
+          <a:off x="0" y="0"/>
+          <a:ext cx="0" cy="0"/>
+          <a:chOff x="0" y="0"/>
+          <a:chExt cx="0" cy="0"/>
+        </a:xfrm>
+      </p:grpSpPr>
+      <p:sp>
+        <p:nvSpPr>
+          <p:cNvPr id="5" name="內容版面配置區 4"/>
+          <p:cNvSpPr>
+            <a:spLocks noGrp="1"/>
+          </p:cNvSpPr>
+          <p:nvPr>
+            <p:ph idx="1"/>
+          </p:nvPr>
+        </p:nvSpPr>
+        <p:spPr>
+          <a:xfrm>
+            <a:off x="0" y="2084851"/>
+            <a:ext cx="12192000" cy="2404863"/>
+          </a:xfrm>
+        </p:spPr>
+        <p:txBody>
+          <a:bodyPr anchor="ctr">
+            <a:normAutofit/>
+          </a:bodyPr>
+          <a:lstStyle/>
+          <a:p>
+            <a:pPr marL="0" indent="0" algn="ctr">
+              <a:buNone/>
+            </a:pPr>
+            <a:r>
+              <a:rPr lang="zh-CN" altLang="en-US" sz="6400" b="1" dirty="0">
+                <a:solidFill>
+                  <a:srgbClr val="660033"/>
+                </a:solidFill>
+                <a:latin typeface="Microsoft JhengHei" panose="020B0604030504040204" pitchFamily="34" charset="-120"/>
+                <a:ea typeface="Microsoft JhengHei" panose="020B0604030504040204" pitchFamily="34" charset="-120"/>
+              </a:rPr>
+              <a:t>主既為我流血  我願愛主更切</a:t>
+            </a:r>
+            <a:endParaRPr lang="en-US" altLang="zh-CN" sz="6400" b="1" dirty="0">
+              <a:solidFill>
+                <a:srgbClr val="660033"/>
+              </a:solidFill>
+              <a:latin typeface="Microsoft JhengHei" panose="020B0604030504040204" pitchFamily="34" charset="-120"/>
+              <a:ea typeface="Microsoft JhengHei" panose="020B0604030504040204" pitchFamily="34" charset="-120"/>
+            </a:endParaRPr>
+          </a:p>
+          <a:p>
+            <a:pPr marL="0" indent="0" algn="ctr">
+              <a:buNone/>
+            </a:pPr>
+            <a:r>
+              <a:rPr lang="zh-CN" altLang="en-US" sz="6400" b="1" dirty="0">
+                <a:solidFill>
+                  <a:srgbClr val="660033"/>
+                </a:solidFill>
+                <a:latin typeface="Microsoft JhengHei" panose="020B0604030504040204" pitchFamily="34" charset="-120"/>
+                <a:ea typeface="Microsoft JhengHei" panose="020B0604030504040204" pitchFamily="34" charset="-120"/>
+              </a:rPr>
+              <a:t>愛心愈久愈熱如火焰烈</a:t>
+            </a:r>
+            <a:endParaRPr lang="vi-VN" sz="6400" b="1" dirty="0">
+              <a:solidFill>
+                <a:srgbClr val="660033"/>
+              </a:solidFill>
+              <a:ea typeface="Microsoft JhengHei" panose="020B0604030504040204" pitchFamily="34" charset="-120"/>
+            </a:endParaRPr>
+          </a:p>
+        </p:txBody>
+      </p:sp>
+      <p:sp>
+        <p:nvSpPr>
+          <p:cNvPr id="3" name="TextBox 2"/>
+          <p:cNvSpPr txBox="1"/>
+          <p:nvPr/>
+        </p:nvSpPr>
+        <p:spPr>
+          <a:xfrm>
+            <a:off x="0" y="5061182"/>
+            <a:ext cx="12192000" cy="830997"/>
+          </a:xfrm>
+          <a:prstGeom prst="rect">
+            <a:avLst/>
+          </a:prstGeom>
+          <a:noFill/>
+        </p:spPr>
+        <p:txBody>
+          <a:bodyPr wrap="square" rtlCol="0">
+            <a:spAutoFit/>
+          </a:bodyPr>
+          <a:lstStyle/>
+          <a:p>
+            <a:pPr algn="ctr"/>
+            <a:r>
+              <a:rPr lang="en-US" sz="4800" b="1" dirty="0">
+                <a:solidFill>
+                  <a:srgbClr val="660033"/>
+                </a:solidFill>
+              </a:rPr>
+              <a:t>( 2 )</a:t>
+            </a:r>
+            <a:endParaRPr lang="vi-VN" sz="4800" b="1" dirty="0">
+              <a:solidFill>
+                <a:srgbClr val="660033"/>
+              </a:solidFill>
+            </a:endParaRPr>
+          </a:p>
+        </p:txBody>
+      </p:sp>
+    </p:spTree>
+    <p:extLst>
+      <p:ext uri="{BB962C8B-B14F-4D97-AF65-F5344CB8AC3E}">
+        <p14:creationId xmlns:p14="http://schemas.microsoft.com/office/powerpoint/2010/main" val="3187432031"/>
+      </p:ext>
+    </p:extLst>
+  </p:cSld>
+  <p:clrMapOvr>
+    <a:masterClrMapping/>
+  </p:clrMapOvr>
+  <p:timing>
+    <p:tnLst>
+      <p:par>
+        <p:cTn id="1" dur="indefinite" restart="never" nodeType="tmRoot"/>
+      </p:par>
+    </p:tnLst>
+  </p:timing>
+</p:sld>
+</file>
+
+<file path=ppt/slides/slide6.xml><?xml version="1.0" encoding="utf-8"?>
+<p:sld xmlns:a="http://schemas.openxmlformats.org/drawingml/2006/main" xmlns:r="http://schemas.openxmlformats.org/officeDocument/2006/relationships" xmlns:p="http://schemas.openxmlformats.org/presentationml/2006/main">
+  <p:cSld>
+    <p:spTree>
+      <p:nvGrpSpPr>
+        <p:cNvPr id="1" name=""/>
+        <p:cNvGrpSpPr/>
+        <p:nvPr/>
+      </p:nvGrpSpPr>
+      <p:grpSpPr>
+        <a:xfrm>
+          <a:off x="0" y="0"/>
+          <a:ext cx="0" cy="0"/>
+          <a:chOff x="0" y="0"/>
+          <a:chExt cx="0" cy="0"/>
+        </a:xfrm>
+      </p:grpSpPr>
+      <p:sp>
+        <p:nvSpPr>
+          <p:cNvPr id="5" name="內容版面配置區 4"/>
+          <p:cNvSpPr>
+            <a:spLocks noGrp="1"/>
+          </p:cNvSpPr>
+          <p:nvPr>
+            <p:ph idx="1"/>
+          </p:nvPr>
+        </p:nvSpPr>
+        <p:spPr>
+          <a:xfrm>
+            <a:off x="0" y="2084851"/>
+            <a:ext cx="12192000" cy="2404863"/>
+          </a:xfrm>
+        </p:spPr>
+        <p:txBody>
+          <a:bodyPr anchor="ctr">
+            <a:normAutofit/>
+          </a:bodyPr>
+          <a:lstStyle/>
+          <a:p>
+            <a:pPr marL="0" indent="0" algn="ctr">
+              <a:buNone/>
+            </a:pPr>
+            <a:r>
+              <a:rPr lang="zh-CN" altLang="en-US" sz="6400" b="1" dirty="0">
+                <a:solidFill>
+                  <a:srgbClr val="660033"/>
+                </a:solidFill>
+                <a:ea typeface="Microsoft JhengHei" panose="020B0604030504040204" pitchFamily="34" charset="-120"/>
+              </a:rPr>
+              <a:t>我行今世迷路</a:t>
+            </a:r>
+            <a:endParaRPr lang="en-US" altLang="zh-CN" sz="6400" b="1" dirty="0">
+              <a:solidFill>
+                <a:srgbClr val="660033"/>
+              </a:solidFill>
+              <a:ea typeface="Microsoft JhengHei" panose="020B0604030504040204" pitchFamily="34" charset="-120"/>
+            </a:endParaRPr>
+          </a:p>
+          <a:p>
+            <a:pPr marL="0" indent="0" algn="ctr">
+              <a:buNone/>
+            </a:pPr>
+            <a:r>
+              <a:rPr lang="zh-CN" altLang="en-US" sz="6400" b="1" dirty="0">
+                <a:solidFill>
+                  <a:srgbClr val="660033"/>
+                </a:solidFill>
+                <a:ea typeface="Microsoft JhengHei" panose="020B0604030504040204" pitchFamily="34" charset="-120"/>
+              </a:rPr>
+              <a:t>危險四圍密佈  求主領我</a:t>
+            </a:r>
+            <a:endParaRPr lang="en-US" altLang="zh-CN" sz="6400" b="1" dirty="0">
+              <a:solidFill>
+                <a:srgbClr val="660033"/>
+              </a:solidFill>
+              <a:ea typeface="Microsoft JhengHei" panose="020B0604030504040204" pitchFamily="34" charset="-120"/>
+            </a:endParaRPr>
+          </a:p>
+        </p:txBody>
+      </p:sp>
+      <p:sp>
+        <p:nvSpPr>
+          <p:cNvPr id="3" name="TextBox 2"/>
+          <p:cNvSpPr txBox="1"/>
+          <p:nvPr/>
+        </p:nvSpPr>
+        <p:spPr>
+          <a:xfrm>
+            <a:off x="0" y="5061182"/>
+            <a:ext cx="12192000" cy="830997"/>
+          </a:xfrm>
+          <a:prstGeom prst="rect">
+            <a:avLst/>
+          </a:prstGeom>
+          <a:noFill/>
+        </p:spPr>
+        <p:txBody>
+          <a:bodyPr wrap="square" rtlCol="0">
+            <a:spAutoFit/>
+          </a:bodyPr>
+          <a:lstStyle/>
+          <a:p>
+            <a:pPr algn="ctr"/>
+            <a:r>
+              <a:rPr lang="en-US" sz="4800" b="1" dirty="0">
+                <a:solidFill>
+                  <a:srgbClr val="660033"/>
+                </a:solidFill>
+              </a:rPr>
+              <a:t>( 3 )</a:t>
+            </a:r>
+            <a:endParaRPr lang="vi-VN" sz="4800" b="1" dirty="0">
+              <a:solidFill>
+                <a:srgbClr val="660033"/>
+              </a:solidFill>
+            </a:endParaRPr>
+          </a:p>
+        </p:txBody>
+      </p:sp>
+    </p:spTree>
+    <p:extLst>
+      <p:ext uri="{BB962C8B-B14F-4D97-AF65-F5344CB8AC3E}">
+        <p14:creationId xmlns:p14="http://schemas.microsoft.com/office/powerpoint/2010/main" val="561877339"/>
+      </p:ext>
+    </p:extLst>
+  </p:cSld>
+  <p:clrMapOvr>
+    <a:masterClrMapping/>
+  </p:clrMapOvr>
+  <p:timing>
+    <p:tnLst>
+      <p:par>
+        <p:cTn id="1" dur="indefinite" restart="never" nodeType="tmRoot"/>
+      </p:par>
+    </p:tnLst>
+  </p:timing>
+</p:sld>
+</file>
+
+<file path=ppt/slides/slide7.xml><?xml version="1.0" encoding="utf-8"?>
+<p:sld xmlns:a="http://schemas.openxmlformats.org/drawingml/2006/main" xmlns:r="http://schemas.openxmlformats.org/officeDocument/2006/relationships" xmlns:p="http://schemas.openxmlformats.org/presentationml/2006/main">
+  <p:cSld>
+    <p:spTree>
+      <p:nvGrpSpPr>
+        <p:cNvPr id="1" name=""/>
+        <p:cNvGrpSpPr/>
+        <p:nvPr/>
+      </p:nvGrpSpPr>
+      <p:grpSpPr>
+        <a:xfrm>
+          <a:off x="0" y="0"/>
+          <a:ext cx="0" cy="0"/>
+          <a:chOff x="0" y="0"/>
+          <a:chExt cx="0" cy="0"/>
+        </a:xfrm>
+      </p:grpSpPr>
+      <p:sp>
+        <p:nvSpPr>
+          <p:cNvPr id="5" name="內容版面配置區 4"/>
+          <p:cNvSpPr>
+            <a:spLocks noGrp="1"/>
+          </p:cNvSpPr>
+          <p:nvPr>
+            <p:ph idx="1"/>
+          </p:nvPr>
+        </p:nvSpPr>
+        <p:spPr>
+          <a:xfrm>
+            <a:off x="0" y="2084851"/>
+            <a:ext cx="12192000" cy="2404863"/>
+          </a:xfrm>
+        </p:spPr>
+        <p:txBody>
+          <a:bodyPr anchor="ctr">
+            <a:normAutofit/>
+          </a:bodyPr>
+          <a:lstStyle/>
+          <a:p>
+            <a:pPr marL="0" indent="0" algn="ctr">
+              <a:buNone/>
+            </a:pPr>
+            <a:r>
+              <a:rPr lang="zh-CN" altLang="en-US" sz="6400" b="1" dirty="0">
+                <a:solidFill>
+                  <a:srgbClr val="660033"/>
+                </a:solidFill>
+                <a:ea typeface="Microsoft JhengHei" panose="020B0604030504040204" pitchFamily="34" charset="-120"/>
+              </a:rPr>
+              <a:t>使黑夜變白晝  將我眼淚擦去</a:t>
+            </a:r>
+            <a:endParaRPr lang="en-US" altLang="zh-CN" sz="6400" b="1" dirty="0">
+              <a:solidFill>
+                <a:srgbClr val="660033"/>
+              </a:solidFill>
+              <a:ea typeface="Microsoft JhengHei" panose="020B0604030504040204" pitchFamily="34" charset="-120"/>
+            </a:endParaRPr>
+          </a:p>
+          <a:p>
+            <a:pPr marL="0" indent="0" algn="ctr">
+              <a:buNone/>
+            </a:pPr>
+            <a:r>
+              <a:rPr lang="zh-CN" altLang="en-US" sz="6400" b="1" dirty="0">
+                <a:solidFill>
+                  <a:srgbClr val="660033"/>
+                </a:solidFill>
+                <a:ea typeface="Microsoft JhengHei" panose="020B0604030504040204" pitchFamily="34" charset="-120"/>
+              </a:rPr>
+              <a:t>使我永不迷失離主左右</a:t>
+            </a:r>
+            <a:endParaRPr lang="vi-VN" sz="6400" b="1" dirty="0">
+              <a:solidFill>
+                <a:srgbClr val="660033"/>
+              </a:solidFill>
+              <a:ea typeface="Microsoft JhengHei" panose="020B0604030504040204" pitchFamily="34" charset="-120"/>
+            </a:endParaRPr>
+          </a:p>
+        </p:txBody>
+      </p:sp>
+      <p:sp>
+        <p:nvSpPr>
+          <p:cNvPr id="3" name="TextBox 2"/>
+          <p:cNvSpPr txBox="1"/>
+          <p:nvPr/>
+        </p:nvSpPr>
+        <p:spPr>
+          <a:xfrm>
+            <a:off x="0" y="5061182"/>
+            <a:ext cx="12192000" cy="830997"/>
+          </a:xfrm>
+          <a:prstGeom prst="rect">
+            <a:avLst/>
+          </a:prstGeom>
+          <a:noFill/>
+        </p:spPr>
+        <p:txBody>
+          <a:bodyPr wrap="square" rtlCol="0">
+            <a:spAutoFit/>
+          </a:bodyPr>
+          <a:lstStyle/>
+          <a:p>
+            <a:pPr algn="ctr"/>
+            <a:r>
+              <a:rPr lang="en-US" sz="4800" b="1" dirty="0">
+                <a:solidFill>
+                  <a:srgbClr val="660033"/>
+                </a:solidFill>
+              </a:rPr>
+              <a:t>( 3 )</a:t>
+            </a:r>
+            <a:endParaRPr lang="vi-VN" sz="4800" b="1" dirty="0">
+              <a:solidFill>
+                <a:srgbClr val="660033"/>
+              </a:solidFill>
+            </a:endParaRPr>
+          </a:p>
+        </p:txBody>
+      </p:sp>
+    </p:spTree>
+    <p:extLst>
+      <p:ext uri="{BB962C8B-B14F-4D97-AF65-F5344CB8AC3E}">
+        <p14:creationId xmlns:p14="http://schemas.microsoft.com/office/powerpoint/2010/main" val="1923879212"/>
+      </p:ext>
+    </p:extLst>
+  </p:cSld>
+  <p:clrMapOvr>
+    <a:masterClrMapping/>
+  </p:clrMapOvr>
+  <p:timing>
+    <p:tnLst>
+      <p:par>
+        <p:cTn id="1" dur="indefinite" restart="never" nodeType="tmRoot"/>
+      </p:par>
+    </p:tnLst>
+  </p:timing>
+</p:sld>
+</file>
+
+<file path=ppt/slides/slide8.xml><?xml version="1.0" encoding="utf-8"?>
+<p:sld xmlns:a="http://schemas.openxmlformats.org/drawingml/2006/main" xmlns:r="http://schemas.openxmlformats.org/officeDocument/2006/relationships" xmlns:p="http://schemas.openxmlformats.org/presentationml/2006/main">
+  <p:cSld>
+    <p:spTree>
+      <p:nvGrpSpPr>
+        <p:cNvPr id="1" name=""/>
+        <p:cNvGrpSpPr/>
+        <p:nvPr/>
+      </p:nvGrpSpPr>
+      <p:grpSpPr>
+        <a:xfrm>
+          <a:off x="0" y="0"/>
+          <a:ext cx="0" cy="0"/>
+          <a:chOff x="0" y="0"/>
+          <a:chExt cx="0" cy="0"/>
+        </a:xfrm>
+      </p:grpSpPr>
+      <p:sp>
+        <p:nvSpPr>
+          <p:cNvPr id="5" name="內容版面配置區 4"/>
+          <p:cNvSpPr>
+            <a:spLocks noGrp="1"/>
+          </p:cNvSpPr>
+          <p:nvPr>
+            <p:ph idx="1"/>
+          </p:nvPr>
+        </p:nvSpPr>
+        <p:spPr>
+          <a:xfrm>
+            <a:off x="0" y="2084851"/>
+            <a:ext cx="12192000" cy="2404863"/>
+          </a:xfrm>
+        </p:spPr>
+        <p:txBody>
+          <a:bodyPr anchor="ctr">
+            <a:normAutofit/>
+          </a:bodyPr>
+          <a:lstStyle/>
+          <a:p>
+            <a:pPr marL="0" indent="0" algn="ctr">
+              <a:buNone/>
+            </a:pPr>
+            <a:r>
+              <a:rPr lang="zh-CN" altLang="en-US" sz="6400" b="1" dirty="0">
+                <a:solidFill>
+                  <a:srgbClr val="660033"/>
+                </a:solidFill>
+                <a:ea typeface="Microsoft JhengHei" panose="020B0604030504040204" pitchFamily="34" charset="-120"/>
+              </a:rPr>
+              <a:t>今世短夢已過</a:t>
+            </a:r>
+            <a:endParaRPr lang="en-US" altLang="zh-CN" sz="6400" b="1" dirty="0">
+              <a:solidFill>
+                <a:srgbClr val="660033"/>
+              </a:solidFill>
+              <a:ea typeface="Microsoft JhengHei" panose="020B0604030504040204" pitchFamily="34" charset="-120"/>
+            </a:endParaRPr>
+          </a:p>
+          <a:p>
+            <a:pPr marL="0" indent="0" algn="ctr">
+              <a:buNone/>
+            </a:pPr>
+            <a:r>
+              <a:rPr lang="zh-CN" altLang="en-US" sz="6400" b="1" dirty="0">
+                <a:solidFill>
+                  <a:srgbClr val="660033"/>
+                </a:solidFill>
+                <a:ea typeface="Microsoft JhengHei" panose="020B0604030504040204" pitchFamily="34" charset="-120"/>
+              </a:rPr>
+              <a:t>必遇死河寒波  將我淹沒</a:t>
+            </a:r>
+            <a:endParaRPr lang="en-US" altLang="zh-CN" sz="6400" b="1" dirty="0">
+              <a:solidFill>
+                <a:srgbClr val="660033"/>
+              </a:solidFill>
+              <a:ea typeface="Microsoft JhengHei" panose="020B0604030504040204" pitchFamily="34" charset="-120"/>
+            </a:endParaRPr>
+          </a:p>
+        </p:txBody>
+      </p:sp>
+      <p:sp>
+        <p:nvSpPr>
+          <p:cNvPr id="3" name="TextBox 2"/>
+          <p:cNvSpPr txBox="1"/>
+          <p:nvPr/>
+        </p:nvSpPr>
+        <p:spPr>
+          <a:xfrm>
+            <a:off x="0" y="5061182"/>
+            <a:ext cx="12192000" cy="830997"/>
+          </a:xfrm>
+          <a:prstGeom prst="rect">
+            <a:avLst/>
+          </a:prstGeom>
+          <a:noFill/>
+        </p:spPr>
+        <p:txBody>
+          <a:bodyPr wrap="square" rtlCol="0">
+            <a:spAutoFit/>
+          </a:bodyPr>
+          <a:lstStyle/>
+          <a:p>
+            <a:pPr algn="ctr"/>
+            <a:r>
+              <a:rPr lang="en-US" sz="4800" b="1" dirty="0">
+                <a:solidFill>
+                  <a:srgbClr val="660033"/>
+                </a:solidFill>
+              </a:rPr>
+              <a:t>( 4 )</a:t>
+            </a:r>
+            <a:endParaRPr lang="vi-VN" sz="4800" b="1" dirty="0">
+              <a:solidFill>
+                <a:srgbClr val="660033"/>
+              </a:solidFill>
+            </a:endParaRPr>
+          </a:p>
+        </p:txBody>
+      </p:sp>
+    </p:spTree>
+    <p:extLst>
+      <p:ext uri="{BB962C8B-B14F-4D97-AF65-F5344CB8AC3E}">
+        <p14:creationId xmlns:p14="http://schemas.microsoft.com/office/powerpoint/2010/main" val="164030549"/>
+      </p:ext>
+    </p:extLst>
+  </p:cSld>
+  <p:clrMapOvr>
+    <a:masterClrMapping/>
+  </p:clrMapOvr>
+  <p:timing>
+    <p:tnLst>
+      <p:par>
+        <p:cTn id="1" dur="indefinite" restart="never" nodeType="tmRoot"/>
+      </p:par>
+    </p:tnLst>
+  </p:timing>
+</p:sld>
+</file>
+
+<file path=ppt/slides/slide9.xml><?xml version="1.0" encoding="utf-8"?>
+<p:sld xmlns:a="http://schemas.openxmlformats.org/drawingml/2006/main" xmlns:r="http://schemas.openxmlformats.org/officeDocument/2006/relationships" xmlns:p="http://schemas.openxmlformats.org/presentationml/2006/main">
+  <p:cSld>
+    <p:spTree>
+      <p:nvGrpSpPr>
+        <p:cNvPr id="1" name=""/>
+        <p:cNvGrpSpPr/>
+        <p:nvPr/>
+      </p:nvGrpSpPr>
+      <p:grpSpPr>
+        <a:xfrm>
+          <a:off x="0" y="0"/>
+          <a:ext cx="0" cy="0"/>
+          <a:chOff x="0" y="0"/>
+          <a:chExt cx="0" cy="0"/>
+        </a:xfrm>
+      </p:grpSpPr>
+      <p:sp>
+        <p:nvSpPr>
+          <p:cNvPr id="5" name="內容版面配置區 4"/>
+          <p:cNvSpPr>
+            <a:spLocks noGrp="1"/>
+          </p:cNvSpPr>
+          <p:nvPr>
+            <p:ph idx="1"/>
+          </p:nvPr>
+        </p:nvSpPr>
+        <p:spPr>
+          <a:xfrm>
+            <a:off x="0" y="2084851"/>
+            <a:ext cx="12192000" cy="2404863"/>
+          </a:xfrm>
+        </p:spPr>
+        <p:txBody>
+          <a:bodyPr anchor="ctr">
+            <a:normAutofit/>
+          </a:bodyPr>
+          <a:lstStyle/>
+          <a:p>
+            <a:pPr marL="0" indent="0" algn="ctr">
+              <a:buNone/>
+            </a:pPr>
+            <a:r>
+              <a:rPr lang="zh-CN" altLang="en-US" sz="6400" b="1" dirty="0">
+                <a:solidFill>
+                  <a:srgbClr val="660033"/>
+                </a:solidFill>
+                <a:ea typeface="Microsoft JhengHei" panose="020B0604030504040204" pitchFamily="34" charset="-120"/>
+              </a:rPr>
+              <a:t>那時求主恩惠  除我憂疑驚畏</a:t>
+            </a:r>
+            <a:endParaRPr lang="en-US" altLang="zh-CN" sz="6400" b="1" dirty="0">
+              <a:solidFill>
+                <a:srgbClr val="660033"/>
+              </a:solidFill>
+              <a:ea typeface="Microsoft JhengHei" panose="020B0604030504040204" pitchFamily="34" charset="-120"/>
+            </a:endParaRPr>
+          </a:p>
+          <a:p>
+            <a:pPr marL="0" indent="0" algn="ctr">
+              <a:buNone/>
+            </a:pPr>
+            <a:r>
+              <a:rPr lang="zh-CN" altLang="en-US" sz="6400" b="1" dirty="0">
+                <a:solidFill>
+                  <a:srgbClr val="660033"/>
+                </a:solidFill>
+                <a:ea typeface="Microsoft JhengHei" panose="020B0604030504040204" pitchFamily="34" charset="-120"/>
+              </a:rPr>
+              <a:t>帶我到明宮內靈魂永活</a:t>
+            </a:r>
+            <a:endParaRPr lang="vi-VN" sz="6400" b="1" dirty="0">
+              <a:solidFill>
+                <a:srgbClr val="660033"/>
+              </a:solidFill>
+              <a:ea typeface="Microsoft JhengHei" panose="020B0604030504040204" pitchFamily="34" charset="-120"/>
+            </a:endParaRPr>
+          </a:p>
+        </p:txBody>
+      </p:sp>
+      <p:sp>
+        <p:nvSpPr>
+          <p:cNvPr id="3" name="TextBox 2"/>
+          <p:cNvSpPr txBox="1"/>
+          <p:nvPr/>
+        </p:nvSpPr>
+        <p:spPr>
+          <a:xfrm>
+            <a:off x="0" y="5061182"/>
+            <a:ext cx="12192000" cy="830997"/>
+          </a:xfrm>
+          <a:prstGeom prst="rect">
+            <a:avLst/>
+          </a:prstGeom>
+          <a:noFill/>
+        </p:spPr>
+        <p:txBody>
+          <a:bodyPr wrap="square" rtlCol="0">
+            <a:spAutoFit/>
+          </a:bodyPr>
+          <a:lstStyle/>
+          <a:p>
+            <a:pPr algn="ctr"/>
+            <a:r>
+              <a:rPr lang="en-US" sz="4800" b="1" dirty="0">
+                <a:solidFill>
+                  <a:srgbClr val="660033"/>
+                </a:solidFill>
+              </a:rPr>
+              <a:t>( 4 )</a:t>
+            </a:r>
+            <a:endParaRPr lang="vi-VN" sz="4800" b="1" dirty="0">
+              <a:solidFill>
+                <a:srgbClr val="660033"/>
+              </a:solidFill>
+            </a:endParaRPr>
+          </a:p>
+        </p:txBody>
+      </p:sp>
+    </p:spTree>
+    <p:extLst>
+      <p:ext uri="{BB962C8B-B14F-4D97-AF65-F5344CB8AC3E}">
+        <p14:creationId xmlns:p14="http://schemas.microsoft.com/office/powerpoint/2010/main" val="3444280069"/>
+      </p:ext>
+    </p:extLst>
+  </p:cSld>
+  <p:clrMapOvr>
+    <a:masterClrMapping/>
+  </p:clrMapOvr>
+  <p:timing>
+    <p:tnLst>
+      <p:par>
+        <p:cTn id="1" dur="indefinite" restart="never" nodeType="tmRoot"/>
+      </p:par>
+    </p:tnLst>
+  </p:timing>
 </p:sld>
 </file>
 

--- a/宣道詩/(宣道詩86)信心之仰望.pptx
+++ b/宣道詩/(宣道詩86)信心之仰望.pptx
@@ -301,7 +301,7 @@
           <a:p>
             <a:fld id="{38872380-FDA6-49D7-847E-49AFAEC06733}" type="datetimeFigureOut">
               <a:rPr lang="vi-VN" smtClean="0"/>
-              <a:t>03/06/2021</a:t>
+              <a:t>22/04/2023</a:t>
             </a:fld>
             <a:endParaRPr lang="vi-VN"/>
           </a:p>
@@ -471,7 +471,7 @@
           <a:p>
             <a:fld id="{38872380-FDA6-49D7-847E-49AFAEC06733}" type="datetimeFigureOut">
               <a:rPr lang="vi-VN" smtClean="0"/>
-              <a:t>03/06/2021</a:t>
+              <a:t>22/04/2023</a:t>
             </a:fld>
             <a:endParaRPr lang="vi-VN"/>
           </a:p>
@@ -651,7 +651,7 @@
           <a:p>
             <a:fld id="{38872380-FDA6-49D7-847E-49AFAEC06733}" type="datetimeFigureOut">
               <a:rPr lang="vi-VN" smtClean="0"/>
-              <a:t>03/06/2021</a:t>
+              <a:t>22/04/2023</a:t>
             </a:fld>
             <a:endParaRPr lang="vi-VN"/>
           </a:p>
@@ -821,7 +821,7 @@
           <a:p>
             <a:fld id="{38872380-FDA6-49D7-847E-49AFAEC06733}" type="datetimeFigureOut">
               <a:rPr lang="vi-VN" smtClean="0"/>
-              <a:t>03/06/2021</a:t>
+              <a:t>22/04/2023</a:t>
             </a:fld>
             <a:endParaRPr lang="vi-VN"/>
           </a:p>
@@ -1067,7 +1067,7 @@
           <a:p>
             <a:fld id="{38872380-FDA6-49D7-847E-49AFAEC06733}" type="datetimeFigureOut">
               <a:rPr lang="vi-VN" smtClean="0"/>
-              <a:t>03/06/2021</a:t>
+              <a:t>22/04/2023</a:t>
             </a:fld>
             <a:endParaRPr lang="vi-VN"/>
           </a:p>
@@ -1355,7 +1355,7 @@
           <a:p>
             <a:fld id="{38872380-FDA6-49D7-847E-49AFAEC06733}" type="datetimeFigureOut">
               <a:rPr lang="vi-VN" smtClean="0"/>
-              <a:t>03/06/2021</a:t>
+              <a:t>22/04/2023</a:t>
             </a:fld>
             <a:endParaRPr lang="vi-VN"/>
           </a:p>
@@ -1777,7 +1777,7 @@
           <a:p>
             <a:fld id="{38872380-FDA6-49D7-847E-49AFAEC06733}" type="datetimeFigureOut">
               <a:rPr lang="vi-VN" smtClean="0"/>
-              <a:t>03/06/2021</a:t>
+              <a:t>22/04/2023</a:t>
             </a:fld>
             <a:endParaRPr lang="vi-VN"/>
           </a:p>
@@ -1895,7 +1895,7 @@
           <a:p>
             <a:fld id="{38872380-FDA6-49D7-847E-49AFAEC06733}" type="datetimeFigureOut">
               <a:rPr lang="vi-VN" smtClean="0"/>
-              <a:t>03/06/2021</a:t>
+              <a:t>22/04/2023</a:t>
             </a:fld>
             <a:endParaRPr lang="vi-VN"/>
           </a:p>
@@ -1990,7 +1990,7 @@
           <a:p>
             <a:fld id="{38872380-FDA6-49D7-847E-49AFAEC06733}" type="datetimeFigureOut">
               <a:rPr lang="vi-VN" smtClean="0"/>
-              <a:t>03/06/2021</a:t>
+              <a:t>22/04/2023</a:t>
             </a:fld>
             <a:endParaRPr lang="vi-VN"/>
           </a:p>
@@ -2267,7 +2267,7 @@
           <a:p>
             <a:fld id="{38872380-FDA6-49D7-847E-49AFAEC06733}" type="datetimeFigureOut">
               <a:rPr lang="vi-VN" smtClean="0"/>
-              <a:t>03/06/2021</a:t>
+              <a:t>22/04/2023</a:t>
             </a:fld>
             <a:endParaRPr lang="vi-VN"/>
           </a:p>
@@ -2524,7 +2524,7 @@
           <a:p>
             <a:fld id="{38872380-FDA6-49D7-847E-49AFAEC06733}" type="datetimeFigureOut">
               <a:rPr lang="vi-VN" smtClean="0"/>
-              <a:t>03/06/2021</a:t>
+              <a:t>22/04/2023</a:t>
             </a:fld>
             <a:endParaRPr lang="vi-VN"/>
           </a:p>
@@ -2742,7 +2742,7 @@
           <a:p>
             <a:fld id="{38872380-FDA6-49D7-847E-49AFAEC06733}" type="datetimeFigureOut">
               <a:rPr lang="vi-VN" smtClean="0"/>
-              <a:t>03/06/2021</a:t>
+              <a:t>22/04/2023</a:t>
             </a:fld>
             <a:endParaRPr lang="vi-VN"/>
           </a:p>
@@ -3221,24 +3221,7 @@
                 <a:latin typeface="微軟正黑體" pitchFamily="34" charset="-120"/>
                 <a:ea typeface="微軟正黑體" pitchFamily="34" charset="-120"/>
               </a:rPr>
-              <a:t>信</a:t>
-            </a:r>
-            <a:r>
-              <a:rPr lang="zh-CN" altLang="en-US" sz="8000" b="1" dirty="0">
-                <a:solidFill>
-                  <a:srgbClr val="660033"/>
-                </a:solidFill>
-                <a:effectLst>
-                  <a:outerShdw blurRad="38100" dist="38100" dir="2700000" algn="tl">
-                    <a:srgbClr val="000000">
-                      <a:alpha val="43137"/>
-                    </a:srgbClr>
-                  </a:outerShdw>
-                </a:effectLst>
-                <a:latin typeface="微軟正黑體" pitchFamily="34" charset="-120"/>
-                <a:ea typeface="微軟正黑體" pitchFamily="34" charset="-120"/>
-              </a:rPr>
-              <a:t>心之仰望</a:t>
+              <a:t>信心之仰望</a:t>
             </a:r>
             <a:endParaRPr lang="zh-TW" altLang="en-US" sz="8000" b="1" dirty="0">
               <a:solidFill>
@@ -3390,7 +3373,7 @@
         <p:spPr>
           <a:xfrm>
             <a:off x="0" y="5061182"/>
-            <a:ext cx="12192000" cy="830997"/>
+            <a:ext cx="12192000" cy="707886"/>
           </a:xfrm>
           <a:prstGeom prst="rect">
             <a:avLst/>
@@ -3405,14 +3388,30 @@
           <a:p>
             <a:pPr algn="ctr"/>
             <a:r>
-              <a:rPr lang="en-US" sz="4800" b="1" dirty="0">
+              <a:rPr lang="en-US" sz="4000" b="1" dirty="0">
                 <a:solidFill>
                   <a:srgbClr val="660033"/>
                 </a:solidFill>
               </a:rPr>
-              <a:t>( 1 )</a:t>
-            </a:r>
-            <a:endParaRPr lang="vi-VN" sz="4800" b="1" dirty="0">
+              <a:t>( </a:t>
+            </a:r>
+            <a:r>
+              <a:rPr lang="en-US" sz="4000" b="1" dirty="0" smtClean="0">
+                <a:solidFill>
+                  <a:srgbClr val="660033"/>
+                </a:solidFill>
+              </a:rPr>
+              <a:t>1 / 4 </a:t>
+            </a:r>
+            <a:r>
+              <a:rPr lang="en-US" sz="4000" b="1" dirty="0">
+                <a:solidFill>
+                  <a:srgbClr val="660033"/>
+                </a:solidFill>
+              </a:rPr>
+              <a:t>)</a:t>
+            </a:r>
+            <a:endParaRPr lang="vi-VN" sz="4000" b="1" dirty="0">
               <a:solidFill>
                 <a:srgbClr val="660033"/>
               </a:solidFill>
@@ -3532,7 +3531,7 @@
         <p:spPr>
           <a:xfrm>
             <a:off x="0" y="5061182"/>
-            <a:ext cx="12192000" cy="830997"/>
+            <a:ext cx="12192000" cy="707886"/>
           </a:xfrm>
           <a:prstGeom prst="rect">
             <a:avLst/>
@@ -3547,14 +3546,14 @@
           <a:p>
             <a:pPr algn="ctr"/>
             <a:r>
-              <a:rPr lang="en-US" sz="4800" b="1" dirty="0">
+              <a:rPr lang="en-US" sz="4000" b="1" dirty="0">
                 <a:solidFill>
                   <a:srgbClr val="660033"/>
                 </a:solidFill>
               </a:rPr>
-              <a:t>( 1 )</a:t>
-            </a:r>
-            <a:endParaRPr lang="vi-VN" sz="4800" b="1" dirty="0">
+              <a:t>( 1 / 4 )</a:t>
+            </a:r>
+            <a:endParaRPr lang="vi-VN" sz="4000" b="1" dirty="0">
               <a:solidFill>
                 <a:srgbClr val="660033"/>
               </a:solidFill>
@@ -3675,7 +3674,7 @@
         <p:spPr>
           <a:xfrm>
             <a:off x="0" y="5061182"/>
-            <a:ext cx="12192000" cy="830997"/>
+            <a:ext cx="12192000" cy="707886"/>
           </a:xfrm>
           <a:prstGeom prst="rect">
             <a:avLst/>
@@ -3690,14 +3689,30 @@
           <a:p>
             <a:pPr algn="ctr"/>
             <a:r>
-              <a:rPr lang="en-US" sz="4800" b="1" dirty="0">
+              <a:rPr lang="en-US" sz="4000" b="1" dirty="0">
                 <a:solidFill>
                   <a:srgbClr val="660033"/>
                 </a:solidFill>
               </a:rPr>
-              <a:t>( 2 )</a:t>
-            </a:r>
-            <a:endParaRPr lang="vi-VN" sz="4800" b="1" dirty="0">
+              <a:t>( </a:t>
+            </a:r>
+            <a:r>
+              <a:rPr lang="en-US" sz="4000" b="1" dirty="0">
+                <a:solidFill>
+                  <a:srgbClr val="660033"/>
+                </a:solidFill>
+              </a:rPr>
+              <a:t>2 </a:t>
+            </a:r>
+            <a:r>
+              <a:rPr lang="en-US" sz="4000" b="1" dirty="0">
+                <a:solidFill>
+                  <a:srgbClr val="660033"/>
+                </a:solidFill>
+              </a:rPr>
+              <a:t>/ 4 )</a:t>
+            </a:r>
+            <a:endParaRPr lang="vi-VN" sz="4000" b="1" dirty="0">
               <a:solidFill>
                 <a:srgbClr val="660033"/>
               </a:solidFill>
@@ -3817,7 +3832,7 @@
         <p:spPr>
           <a:xfrm>
             <a:off x="0" y="5061182"/>
-            <a:ext cx="12192000" cy="830997"/>
+            <a:ext cx="12192000" cy="707886"/>
           </a:xfrm>
           <a:prstGeom prst="rect">
             <a:avLst/>
@@ -3832,14 +3847,14 @@
           <a:p>
             <a:pPr algn="ctr"/>
             <a:r>
-              <a:rPr lang="en-US" sz="4800" b="1" dirty="0">
+              <a:rPr lang="en-US" sz="4000" b="1" dirty="0">
                 <a:solidFill>
                   <a:srgbClr val="660033"/>
                 </a:solidFill>
               </a:rPr>
-              <a:t>( 2 )</a:t>
-            </a:r>
-            <a:endParaRPr lang="vi-VN" sz="4800" b="1" dirty="0">
+              <a:t>( 2 / 4 )</a:t>
+            </a:r>
+            <a:endParaRPr lang="vi-VN" sz="4000" b="1" dirty="0">
               <a:solidFill>
                 <a:srgbClr val="660033"/>
               </a:solidFill>
@@ -3956,7 +3971,7 @@
         <p:spPr>
           <a:xfrm>
             <a:off x="0" y="5061182"/>
-            <a:ext cx="12192000" cy="830997"/>
+            <a:ext cx="12192000" cy="707886"/>
           </a:xfrm>
           <a:prstGeom prst="rect">
             <a:avLst/>
@@ -3971,14 +3986,30 @@
           <a:p>
             <a:pPr algn="ctr"/>
             <a:r>
-              <a:rPr lang="en-US" sz="4800" b="1" dirty="0">
+              <a:rPr lang="en-US" sz="4000" b="1" dirty="0">
                 <a:solidFill>
                   <a:srgbClr val="660033"/>
                 </a:solidFill>
               </a:rPr>
-              <a:t>( 3 )</a:t>
-            </a:r>
-            <a:endParaRPr lang="vi-VN" sz="4800" b="1" dirty="0">
+              <a:t>( </a:t>
+            </a:r>
+            <a:r>
+              <a:rPr lang="en-US" sz="4000" b="1" dirty="0">
+                <a:solidFill>
+                  <a:srgbClr val="660033"/>
+                </a:solidFill>
+              </a:rPr>
+              <a:t>3 </a:t>
+            </a:r>
+            <a:r>
+              <a:rPr lang="en-US" sz="4000" b="1" dirty="0">
+                <a:solidFill>
+                  <a:srgbClr val="660033"/>
+                </a:solidFill>
+              </a:rPr>
+              <a:t>/ 4 )</a:t>
+            </a:r>
+            <a:endParaRPr lang="vi-VN" sz="4000" b="1" dirty="0">
               <a:solidFill>
                 <a:srgbClr val="660033"/>
               </a:solidFill>
@@ -4095,7 +4126,7 @@
         <p:spPr>
           <a:xfrm>
             <a:off x="0" y="5061182"/>
-            <a:ext cx="12192000" cy="830997"/>
+            <a:ext cx="12192000" cy="707886"/>
           </a:xfrm>
           <a:prstGeom prst="rect">
             <a:avLst/>
@@ -4110,14 +4141,14 @@
           <a:p>
             <a:pPr algn="ctr"/>
             <a:r>
-              <a:rPr lang="en-US" sz="4800" b="1" dirty="0">
+              <a:rPr lang="en-US" sz="4000" b="1" dirty="0">
                 <a:solidFill>
                   <a:srgbClr val="660033"/>
                 </a:solidFill>
               </a:rPr>
-              <a:t>( 3 )</a:t>
-            </a:r>
-            <a:endParaRPr lang="vi-VN" sz="4800" b="1" dirty="0">
+              <a:t>( 3 / 4 )</a:t>
+            </a:r>
+            <a:endParaRPr lang="vi-VN" sz="4000" b="1" dirty="0">
               <a:solidFill>
                 <a:srgbClr val="660033"/>
               </a:solidFill>
@@ -4234,7 +4265,7 @@
         <p:spPr>
           <a:xfrm>
             <a:off x="0" y="5061182"/>
-            <a:ext cx="12192000" cy="830997"/>
+            <a:ext cx="12192000" cy="707886"/>
           </a:xfrm>
           <a:prstGeom prst="rect">
             <a:avLst/>
@@ -4249,14 +4280,30 @@
           <a:p>
             <a:pPr algn="ctr"/>
             <a:r>
-              <a:rPr lang="en-US" sz="4800" b="1" dirty="0">
+              <a:rPr lang="en-US" sz="4000" b="1" dirty="0">
                 <a:solidFill>
                   <a:srgbClr val="660033"/>
                 </a:solidFill>
               </a:rPr>
-              <a:t>( 4 )</a:t>
-            </a:r>
-            <a:endParaRPr lang="vi-VN" sz="4800" b="1" dirty="0">
+              <a:t>( </a:t>
+            </a:r>
+            <a:r>
+              <a:rPr lang="en-US" sz="4000" b="1" dirty="0">
+                <a:solidFill>
+                  <a:srgbClr val="660033"/>
+                </a:solidFill>
+              </a:rPr>
+              <a:t>4 </a:t>
+            </a:r>
+            <a:r>
+              <a:rPr lang="en-US" sz="4000" b="1" dirty="0">
+                <a:solidFill>
+                  <a:srgbClr val="660033"/>
+                </a:solidFill>
+              </a:rPr>
+              <a:t>/ 4 )</a:t>
+            </a:r>
+            <a:endParaRPr lang="vi-VN" sz="4000" b="1" dirty="0">
               <a:solidFill>
                 <a:srgbClr val="660033"/>
               </a:solidFill>
@@ -4373,7 +4420,7 @@
         <p:spPr>
           <a:xfrm>
             <a:off x="0" y="5061182"/>
-            <a:ext cx="12192000" cy="830997"/>
+            <a:ext cx="12192000" cy="707886"/>
           </a:xfrm>
           <a:prstGeom prst="rect">
             <a:avLst/>
@@ -4388,14 +4435,14 @@
           <a:p>
             <a:pPr algn="ctr"/>
             <a:r>
-              <a:rPr lang="en-US" sz="4800" b="1" dirty="0">
+              <a:rPr lang="en-US" sz="4000" b="1" dirty="0">
                 <a:solidFill>
                   <a:srgbClr val="660033"/>
                 </a:solidFill>
               </a:rPr>
-              <a:t>( 4 )</a:t>
-            </a:r>
-            <a:endParaRPr lang="vi-VN" sz="4800" b="1" dirty="0">
+              <a:t>( 4 / 4 )</a:t>
+            </a:r>
+            <a:endParaRPr lang="vi-VN" sz="4000" b="1" dirty="0">
               <a:solidFill>
                 <a:srgbClr val="660033"/>
               </a:solidFill>
